--- a/new_user_documentation.pptx
+++ b/new_user_documentation.pptx
@@ -8,17 +8,20 @@
     <p:sldId id="256" r:id="rId2"/>
     <p:sldId id="257" r:id="rId3"/>
     <p:sldId id="258" r:id="rId4"/>
-    <p:sldId id="263" r:id="rId5"/>
-    <p:sldId id="264" r:id="rId6"/>
-    <p:sldId id="265" r:id="rId7"/>
-    <p:sldId id="266" r:id="rId8"/>
-    <p:sldId id="262" r:id="rId9"/>
-    <p:sldId id="267" r:id="rId10"/>
-    <p:sldId id="259" r:id="rId11"/>
-    <p:sldId id="260" r:id="rId12"/>
-    <p:sldId id="261" r:id="rId13"/>
-    <p:sldId id="268" r:id="rId14"/>
-    <p:sldId id="269" r:id="rId15"/>
+    <p:sldId id="270" r:id="rId5"/>
+    <p:sldId id="272" r:id="rId6"/>
+    <p:sldId id="259" r:id="rId7"/>
+    <p:sldId id="263" r:id="rId8"/>
+    <p:sldId id="264" r:id="rId9"/>
+    <p:sldId id="265" r:id="rId10"/>
+    <p:sldId id="266" r:id="rId11"/>
+    <p:sldId id="267" r:id="rId12"/>
+    <p:sldId id="271" r:id="rId13"/>
+    <p:sldId id="260" r:id="rId14"/>
+    <p:sldId id="261" r:id="rId15"/>
+    <p:sldId id="262" r:id="rId16"/>
+    <p:sldId id="268" r:id="rId17"/>
+    <p:sldId id="269" r:id="rId18"/>
   </p:sldIdLst>
   <p:sldSz cx="9144000" cy="6858000" type="screen4x3"/>
   <p:notesSz cx="6858000" cy="9144000"/>
@@ -5262,60 +5265,80 @@
           <a:chExt cx="0" cy="0"/>
         </a:xfrm>
       </p:grpSpPr>
-      <p:sp>
-        <p:nvSpPr>
-          <p:cNvPr id="2" name="Title 1"/>
-          <p:cNvSpPr>
-            <a:spLocks noGrp="1"/>
-          </p:cNvSpPr>
-          <p:nvPr>
-            <p:ph type="title"/>
-          </p:nvPr>
-        </p:nvSpPr>
-        <p:spPr/>
-        <p:txBody>
-          <a:bodyPr/>
+      <p:pic>
+        <p:nvPicPr>
+          <p:cNvPr id="4" name="Picture 3" descr="jeuspacewar.jpg"/>
+          <p:cNvPicPr>
+            <a:picLocks noChangeAspect="1"/>
+          </p:cNvPicPr>
+          <p:nvPr/>
+        </p:nvPicPr>
+        <p:blipFill>
+          <a:blip r:embed="rId2">
+            <a:extLst>
+              <a:ext uri="{28A0092B-C50C-407E-A947-70E740481C1C}">
+                <a14:useLocalDpi xmlns:a14="http://schemas.microsoft.com/office/drawing/2010/main" val="0"/>
+              </a:ext>
+            </a:extLst>
+          </a:blip>
+          <a:stretch>
+            <a:fillRect/>
+          </a:stretch>
+        </p:blipFill>
+        <p:spPr>
+          <a:xfrm>
+            <a:off x="1320800" y="0"/>
+            <a:ext cx="6502400" cy="6502400"/>
+          </a:xfrm>
+          <a:prstGeom prst="rect">
+            <a:avLst/>
+          </a:prstGeom>
+        </p:spPr>
+      </p:pic>
+      <p:sp>
+        <p:nvSpPr>
+          <p:cNvPr id="5" name="TextBox 4"/>
+          <p:cNvSpPr txBox="1"/>
+          <p:nvPr/>
+        </p:nvSpPr>
+        <p:spPr>
+          <a:xfrm>
+            <a:off x="1320800" y="455589"/>
+            <a:ext cx="5926756" cy="1477328"/>
+          </a:xfrm>
+          <a:prstGeom prst="rect">
+            <a:avLst/>
+          </a:prstGeom>
+          <a:noFill/>
+        </p:spPr>
+        <p:txBody>
+          <a:bodyPr wrap="square" rtlCol="0">
+            <a:spAutoFit/>
+          </a:bodyPr>
           <a:lstStyle/>
           <a:p>
             <a:r>
+              <a:rPr lang="en-US" dirty="0"/>
+              <a:t>Or the extravagant spaceship game where you, as a spaceship, wander around shooting </a:t>
+            </a:r>
+            <a:r>
               <a:rPr lang="en-US" dirty="0" smtClean="0"/>
-              <a:t>Abstract introduction</a:t>
-            </a:r>
-            <a:endParaRPr lang="en-US" dirty="0"/>
-          </a:p>
-        </p:txBody>
-      </p:sp>
-      <p:sp>
-        <p:nvSpPr>
-          <p:cNvPr id="3" name="Content Placeholder 2"/>
-          <p:cNvSpPr>
-            <a:spLocks noGrp="1"/>
-          </p:cNvSpPr>
-          <p:nvPr>
-            <p:ph idx="1"/>
-          </p:nvPr>
-        </p:nvSpPr>
-        <p:spPr/>
-        <p:txBody>
-          <a:bodyPr/>
-          <a:lstStyle/>
-          <a:p>
-            <a:pPr marL="0" indent="0">
-              <a:buNone/>
-            </a:pPr>
+              <a:t>stuff </a:t>
+            </a:r>
+            <a:r>
+              <a:rPr lang="en-US" dirty="0"/>
+              <a:t>until you get to fight the </a:t>
+            </a:r>
             <a:r>
               <a:rPr lang="en-US" dirty="0" smtClean="0"/>
-              <a:t>For some of you wanting to know about the simple programming background of this game:</a:t>
-            </a:r>
-          </a:p>
-          <a:p>
-            <a:pPr marL="0" indent="0">
-              <a:buNone/>
-            </a:pPr>
-            <a:r>
-              <a:rPr lang="en-US" dirty="0" smtClean="0"/>
-              <a:t>This is an arcade style space game with simple ASCII visuals. It is written in C++ Language and we used SDL graphics library to handle visuals. We have also used a bit actual simple graphics with Adobe Photoshop for the game. The code was made to reach a goal to be object oriented for a clean and manageable program design. </a:t>
-            </a:r>
+              <a:t>monstrous </a:t>
+            </a:r>
+            <a:r>
+              <a:rPr lang="en-US" dirty="0"/>
+              <a:t>robot octopus spaceship that could shoot nine ways? </a:t>
+            </a:r>
+          </a:p>
+          <a:p>
             <a:endParaRPr lang="en-US" dirty="0"/>
           </a:p>
         </p:txBody>
@@ -5323,7 +5346,7 @@
     </p:spTree>
     <p:extLst>
       <p:ext uri="{BB962C8B-B14F-4D97-AF65-F5344CB8AC3E}">
-        <p14:creationId xmlns:p14="http://schemas.microsoft.com/office/powerpoint/2010/main" val="1619648783"/>
+        <p14:creationId xmlns:p14="http://schemas.microsoft.com/office/powerpoint/2010/main" val="2744393826"/>
       </p:ext>
     </p:extLst>
   </p:cSld>
@@ -5334,6 +5357,103 @@
 </file>
 
 <file path=ppt/slides/slide11.xml><?xml version="1.0" encoding="utf-8"?>
+<p:sld xmlns:a="http://schemas.openxmlformats.org/drawingml/2006/main" xmlns:r="http://schemas.openxmlformats.org/officeDocument/2006/relationships" xmlns:p="http://schemas.openxmlformats.org/presentationml/2006/main">
+  <p:cSld>
+    <p:spTree>
+      <p:nvGrpSpPr>
+        <p:cNvPr id="1" name=""/>
+        <p:cNvGrpSpPr/>
+        <p:nvPr/>
+      </p:nvGrpSpPr>
+      <p:grpSpPr>
+        <a:xfrm>
+          <a:off x="0" y="0"/>
+          <a:ext cx="0" cy="0"/>
+          <a:chOff x="0" y="0"/>
+          <a:chExt cx="0" cy="0"/>
+        </a:xfrm>
+      </p:grpSpPr>
+      <p:sp>
+        <p:nvSpPr>
+          <p:cNvPr id="2" name="Title 1"/>
+          <p:cNvSpPr>
+            <a:spLocks noGrp="1"/>
+          </p:cNvSpPr>
+          <p:nvPr>
+            <p:ph type="title"/>
+          </p:nvPr>
+        </p:nvSpPr>
+        <p:spPr>
+          <a:xfrm>
+            <a:off x="685800" y="2730308"/>
+            <a:ext cx="7770813" cy="1429871"/>
+          </a:xfrm>
+        </p:spPr>
+        <p:txBody>
+          <a:bodyPr>
+            <a:normAutofit fontScale="90000"/>
+          </a:bodyPr>
+          <a:lstStyle/>
+          <a:p>
+            <a:r>
+              <a:rPr lang="en-US" dirty="0"/>
+              <a:t>Well, our game does not look exactly as perfect as these games but we have a head start and you can definitely play and have fun. </a:t>
+            </a:r>
+            <a:br>
+              <a:rPr lang="en-US" dirty="0"/>
+            </a:br>
+            <a:r>
+              <a:rPr lang="en-US" dirty="0" smtClean="0"/>
+              <a:t>Here is a little screenshot of what the game looks like</a:t>
+            </a:r>
+            <a:endParaRPr lang="en-US" dirty="0"/>
+          </a:p>
+        </p:txBody>
+      </p:sp>
+    </p:spTree>
+    <p:extLst>
+      <p:ext uri="{BB962C8B-B14F-4D97-AF65-F5344CB8AC3E}">
+        <p14:creationId xmlns:p14="http://schemas.microsoft.com/office/powerpoint/2010/main" val="1944890027"/>
+      </p:ext>
+    </p:extLst>
+  </p:cSld>
+  <p:clrMapOvr>
+    <a:masterClrMapping/>
+  </p:clrMapOvr>
+</p:sld>
+</file>
+
+<file path=ppt/slides/slide12.xml><?xml version="1.0" encoding="utf-8"?>
+<p:sld xmlns:a="http://schemas.openxmlformats.org/drawingml/2006/main" xmlns:r="http://schemas.openxmlformats.org/officeDocument/2006/relationships" xmlns:p="http://schemas.openxmlformats.org/presentationml/2006/main">
+  <p:cSld>
+    <p:spTree>
+      <p:nvGrpSpPr>
+        <p:cNvPr id="1" name=""/>
+        <p:cNvGrpSpPr/>
+        <p:nvPr/>
+      </p:nvGrpSpPr>
+      <p:grpSpPr>
+        <a:xfrm>
+          <a:off x="0" y="0"/>
+          <a:ext cx="0" cy="0"/>
+          <a:chOff x="0" y="0"/>
+          <a:chExt cx="0" cy="0"/>
+        </a:xfrm>
+      </p:grpSpPr>
+    </p:spTree>
+    <p:extLst>
+      <p:ext uri="{BB962C8B-B14F-4D97-AF65-F5344CB8AC3E}">
+        <p14:creationId xmlns:p14="http://schemas.microsoft.com/office/powerpoint/2010/main" val="3478421257"/>
+      </p:ext>
+    </p:extLst>
+  </p:cSld>
+  <p:clrMapOvr>
+    <a:masterClrMapping/>
+  </p:clrMapOvr>
+</p:sld>
+</file>
+
+<file path=ppt/slides/slide13.xml><?xml version="1.0" encoding="utf-8"?>
 <p:sld xmlns:a="http://schemas.openxmlformats.org/drawingml/2006/main" xmlns:r="http://schemas.openxmlformats.org/officeDocument/2006/relationships" xmlns:p="http://schemas.openxmlformats.org/presentationml/2006/main">
   <p:cSld>
     <p:spTree>
@@ -5556,7 +5676,7 @@
 </p:sld>
 </file>
 
-<file path=ppt/slides/slide12.xml><?xml version="1.0" encoding="utf-8"?>
+<file path=ppt/slides/slide14.xml><?xml version="1.0" encoding="utf-8"?>
 <p:sld xmlns:a="http://schemas.openxmlformats.org/drawingml/2006/main" xmlns:r="http://schemas.openxmlformats.org/officeDocument/2006/relationships" xmlns:p="http://schemas.openxmlformats.org/presentationml/2006/main">
   <p:cSld>
     <p:spTree>
@@ -5778,7 +5898,7 @@
 </p:sld>
 </file>
 
-<file path=ppt/slides/slide13.xml><?xml version="1.0" encoding="utf-8"?>
+<file path=ppt/slides/slide15.xml><?xml version="1.0" encoding="utf-8"?>
 <p:sld xmlns:a="http://schemas.openxmlformats.org/drawingml/2006/main" xmlns:r="http://schemas.openxmlformats.org/officeDocument/2006/relationships" xmlns:p="http://schemas.openxmlformats.org/presentationml/2006/main">
   <p:cSld>
     <p:spTree>
@@ -5797,6 +5917,170 @@
       </p:grpSpPr>
       <p:sp>
         <p:nvSpPr>
+          <p:cNvPr id="2" name="Title 1"/>
+          <p:cNvSpPr>
+            <a:spLocks noGrp="1"/>
+          </p:cNvSpPr>
+          <p:nvPr>
+            <p:ph type="title"/>
+          </p:nvPr>
+        </p:nvSpPr>
+        <p:spPr/>
+        <p:txBody>
+          <a:bodyPr/>
+          <a:lstStyle/>
+          <a:p>
+            <a:r>
+              <a:rPr lang="en-US" dirty="0" smtClean="0"/>
+              <a:t>	</a:t>
+            </a:r>
+            <a:r>
+              <a:rPr lang="en-US" dirty="0" smtClean="0"/>
+              <a:t>Command Summary</a:t>
+            </a:r>
+            <a:endParaRPr lang="en-US" dirty="0"/>
+          </a:p>
+        </p:txBody>
+      </p:sp>
+      <p:sp>
+        <p:nvSpPr>
+          <p:cNvPr id="3" name="Content Placeholder 2"/>
+          <p:cNvSpPr>
+            <a:spLocks noGrp="1"/>
+          </p:cNvSpPr>
+          <p:nvPr>
+            <p:ph idx="1"/>
+          </p:nvPr>
+        </p:nvSpPr>
+        <p:spPr/>
+        <p:txBody>
+          <a:bodyPr>
+            <a:normAutofit/>
+          </a:bodyPr>
+          <a:lstStyle/>
+          <a:p>
+            <a:r>
+              <a:rPr lang="en-US" dirty="0">
+                <a:effectLst/>
+              </a:rPr>
+              <a:t>The player has several commands that he or she can </a:t>
+            </a:r>
+            <a:r>
+              <a:rPr lang="en-US" dirty="0" smtClean="0">
+                <a:effectLst/>
+              </a:rPr>
+              <a:t>use in order</a:t>
+            </a:r>
+            <a:r>
+              <a:rPr lang="en-US" dirty="0" smtClean="0">
+                <a:effectLst/>
+              </a:rPr>
+              <a:t> </a:t>
+            </a:r>
+            <a:r>
+              <a:rPr lang="en-US" dirty="0">
+                <a:effectLst/>
+              </a:rPr>
+              <a:t>to play. </a:t>
+            </a:r>
+          </a:p>
+          <a:p>
+            <a:pPr lvl="0"/>
+            <a:r>
+              <a:rPr lang="en-US" dirty="0">
+                <a:effectLst/>
+              </a:rPr>
+              <a:t>To move up, simply press the “Up” keyboard key. Similarly, to move down, press the “Down” keyboard key.  </a:t>
+            </a:r>
+          </a:p>
+          <a:p>
+            <a:pPr lvl="0"/>
+            <a:r>
+              <a:rPr lang="en-US" dirty="0">
+                <a:effectLst/>
+              </a:rPr>
+              <a:t>To shoot, press </a:t>
+            </a:r>
+            <a:r>
+              <a:rPr lang="en-US" dirty="0" smtClean="0">
+                <a:effectLst/>
+              </a:rPr>
+              <a:t>“---” </a:t>
+            </a:r>
+            <a:r>
+              <a:rPr lang="en-US" dirty="0">
+                <a:effectLst/>
+              </a:rPr>
+              <a:t>key. </a:t>
+            </a:r>
+          </a:p>
+          <a:p>
+            <a:pPr lvl="0"/>
+            <a:r>
+              <a:rPr lang="en-US" dirty="0">
+                <a:effectLst/>
+              </a:rPr>
+              <a:t>To pause the game, press “---“ key. </a:t>
+            </a:r>
+          </a:p>
+          <a:p>
+            <a:pPr lvl="0"/>
+            <a:r>
+              <a:rPr lang="en-US" dirty="0">
+                <a:effectLst/>
+              </a:rPr>
+              <a:t>To resume a paused game, press “----“key.</a:t>
+            </a:r>
+          </a:p>
+          <a:p>
+            <a:pPr lvl="0"/>
+            <a:r>
+              <a:rPr lang="en-US" dirty="0">
+                <a:effectLst/>
+              </a:rPr>
+              <a:t>To exit, press “----“key. </a:t>
+            </a:r>
+          </a:p>
+          <a:p>
+            <a:pPr lvl="0"/>
+            <a:endParaRPr lang="en-US" dirty="0">
+              <a:effectLst/>
+            </a:endParaRPr>
+          </a:p>
+        </p:txBody>
+      </p:sp>
+    </p:spTree>
+    <p:extLst>
+      <p:ext uri="{BB962C8B-B14F-4D97-AF65-F5344CB8AC3E}">
+        <p14:creationId xmlns:p14="http://schemas.microsoft.com/office/powerpoint/2010/main" val="2278815150"/>
+      </p:ext>
+    </p:extLst>
+  </p:cSld>
+  <p:clrMapOvr>
+    <a:masterClrMapping/>
+  </p:clrMapOvr>
+</p:sld>
+</file>
+
+<file path=ppt/slides/slide16.xml><?xml version="1.0" encoding="utf-8"?>
+<p:sld xmlns:a="http://schemas.openxmlformats.org/drawingml/2006/main" xmlns:r="http://schemas.openxmlformats.org/officeDocument/2006/relationships" xmlns:p="http://schemas.openxmlformats.org/presentationml/2006/main">
+  <p:cSld>
+    <p:spTree>
+      <p:nvGrpSpPr>
+        <p:cNvPr id="1" name=""/>
+        <p:cNvGrpSpPr/>
+        <p:nvPr/>
+      </p:nvGrpSpPr>
+      <p:grpSpPr>
+        <a:xfrm>
+          <a:off x="0" y="0"/>
+          <a:ext cx="0" cy="0"/>
+          <a:chOff x="0" y="0"/>
+          <a:chExt cx="0" cy="0"/>
+        </a:xfrm>
+      </p:grpSpPr>
+      <p:sp>
+        <p:nvSpPr>
           <p:cNvPr id="3" name="Content Placeholder 2"/>
           <p:cNvSpPr>
             <a:spLocks noGrp="1"/>
@@ -5817,7 +6101,7 @@
           <a:p>
             <a:r>
               <a:rPr lang="en-US" dirty="0" smtClean="0"/>
-              <a:t>Thank you for your time. We hope you enjoy the new product. For further more information on how the program works, check out our technical documentation, which is more thorough and detailed. </a:t>
+              <a:t>Thank you. We hope you enjoy the new product. For further more information on how the program works, check out our technical documentation, which is more thorough and detailed. </a:t>
             </a:r>
             <a:r>
               <a:rPr lang="en-US" dirty="0" smtClean="0">
@@ -5842,7 +6126,7 @@
 </p:sld>
 </file>
 
-<file path=ppt/slides/slide14.xml><?xml version="1.0" encoding="utf-8"?>
+<file path=ppt/slides/slide17.xml><?xml version="1.0" encoding="utf-8"?>
 <p:sld xmlns:a="http://schemas.openxmlformats.org/drawingml/2006/main" xmlns:r="http://schemas.openxmlformats.org/officeDocument/2006/relationships" xmlns:p="http://schemas.openxmlformats.org/presentationml/2006/main">
   <p:cSld>
     <p:spTree>
@@ -6174,18 +6458,43 @@
         </p:spPr>
         <p:txBody>
           <a:bodyPr>
-            <a:normAutofit fontScale="77500" lnSpcReduction="20000"/>
+            <a:normAutofit/>
           </a:bodyPr>
           <a:lstStyle/>
           <a:p>
             <a:pPr marL="0" indent="0">
               <a:buNone/>
             </a:pPr>
+            <a:r>
+              <a:rPr lang="en-US" dirty="0" smtClean="0">
+                <a:effectLst/>
+              </a:rPr>
+              <a:t>	</a:t>
+            </a:r>
+          </a:p>
+          <a:p>
+            <a:pPr marL="0" indent="0">
+              <a:buNone/>
+            </a:pPr>
+            <a:endParaRPr lang="en-US" dirty="0">
+              <a:effectLst/>
+            </a:endParaRPr>
+          </a:p>
+          <a:p>
+            <a:pPr marL="0" indent="0">
+              <a:buNone/>
+            </a:pPr>
+            <a:r>
+              <a:rPr lang="en-US" dirty="0" smtClean="0">
+                <a:effectLst/>
+              </a:rPr>
+              <a:t>	Hello </a:t>
+            </a:r>
             <a:r>
               <a:rPr lang="en-US" dirty="0">
                 <a:effectLst/>
               </a:rPr>
-              <a:t>Hello User. We welcome you to try out </a:t>
+              <a:t>User. We welcome you to try out </a:t>
             </a:r>
             <a:r>
               <a:rPr lang="en-US" dirty="0" smtClean="0">
@@ -6220,75 +6529,8 @@
               <a:rPr lang="en-US" dirty="0">
                 <a:effectLst/>
               </a:rPr>
-              <a:t>	So, to begin with, the game has a window that is the “space”. </a:t>
-            </a:r>
-            <a:r>
-              <a:rPr lang="en-US" u="heavy" dirty="0">
-                <a:effectLst/>
-              </a:rPr>
-              <a:t>The player</a:t>
-            </a:r>
-            <a:r>
-              <a:rPr lang="en-US" dirty="0">
-                <a:effectLst/>
-              </a:rPr>
-              <a:t> (in this case the user) has to move, manage and shoot as a spaceship. Basically, the player has a “hero” spaceship and fights the other spaceships that are coming towards the player. The player is able to move up and down because it is already being accelerated forward in a uniform speed. Player has the abilities to shoot at things like meteors, spaceships of different shapes and lives. Player also has </a:t>
-            </a:r>
-            <a:r>
-              <a:rPr lang="en-US" dirty="0" smtClean="0">
-                <a:effectLst/>
-              </a:rPr>
-              <a:t>a number of lives </a:t>
-            </a:r>
-            <a:r>
-              <a:rPr lang="en-US" dirty="0">
-                <a:effectLst/>
-              </a:rPr>
-              <a:t>in one round. There will be a chart on the </a:t>
-            </a:r>
-            <a:r>
-              <a:rPr lang="en-US" dirty="0" smtClean="0">
-                <a:effectLst/>
-              </a:rPr>
-              <a:t>bottom of </a:t>
-            </a:r>
-            <a:r>
-              <a:rPr lang="en-US" dirty="0">
-                <a:effectLst/>
-              </a:rPr>
-              <a:t>the window with all the information regarding the progression of the player’s performance such as </a:t>
-            </a:r>
-            <a:r>
-              <a:rPr lang="en-US" dirty="0" smtClean="0">
-                <a:effectLst/>
-              </a:rPr>
-              <a:t>HP.</a:t>
-            </a:r>
-          </a:p>
-          <a:p>
-            <a:pPr marL="0" indent="0">
-              <a:buNone/>
-            </a:pPr>
-            <a:r>
-              <a:rPr lang="en-US" dirty="0">
-                <a:effectLst/>
-              </a:rPr>
               <a:t>	</a:t>
             </a:r>
-            <a:r>
-              <a:rPr lang="en-US" u="heavy" dirty="0">
-                <a:effectLst/>
-              </a:rPr>
-              <a:t>The opponent side</a:t>
-            </a:r>
-            <a:r>
-              <a:rPr lang="en-US" dirty="0">
-                <a:effectLst/>
-              </a:rPr>
-              <a:t> has a lot of things going on. It is very diverse. We have space rocks, meteors of various shapes and sizes. And, drumroll, we have the enemy spaceships. And, as expected, they can also shoot and hurt the player’s lives. They have the ability to move up and down as well. Also, they have varied lives. For example: a small enemy spaceship might be destroyed with three shoots whereas a bigger one might need about five shoots. </a:t>
-            </a:r>
-          </a:p>
-          <a:p>
             <a:endParaRPr lang="en-US" dirty="0"/>
           </a:p>
         </p:txBody>
@@ -6335,6 +6577,374 @@
         </p:nvSpPr>
         <p:spPr>
           <a:xfrm>
+            <a:off x="244044" y="184841"/>
+            <a:ext cx="8701511" cy="6497136"/>
+          </a:xfrm>
+        </p:spPr>
+        <p:txBody>
+          <a:bodyPr/>
+          <a:lstStyle/>
+          <a:p>
+            <a:pPr marL="0" indent="0">
+              <a:buNone/>
+            </a:pPr>
+            <a:r>
+              <a:rPr lang="en-US" dirty="0">
+                <a:effectLst/>
+              </a:rPr>
+              <a:t>So, to begin with, the game has a window that is the “space”. </a:t>
+            </a:r>
+            <a:r>
+              <a:rPr lang="en-US" u="heavy" dirty="0">
+                <a:effectLst/>
+              </a:rPr>
+              <a:t>The player</a:t>
+            </a:r>
+            <a:r>
+              <a:rPr lang="en-US" dirty="0">
+                <a:effectLst/>
+              </a:rPr>
+              <a:t> (in this case the user) has to move, manage and shoot as a spaceship. Basically, the player has a “hero” spaceship and </a:t>
+            </a:r>
+            <a:r>
+              <a:rPr lang="en-US" dirty="0" smtClean="0">
+                <a:effectLst/>
+              </a:rPr>
+              <a:t>fights. The </a:t>
+            </a:r>
+            <a:r>
+              <a:rPr lang="en-US" dirty="0">
+                <a:effectLst/>
+              </a:rPr>
+              <a:t>player is able to move up and down because it is already being accelerated forward in a uniform speed. Player has the abilities to shoot at things like meteors, spaceships of different shapes and lives. Player also has a number of lives in one round. There will be a chart on the bottom of the window with all the information regarding the progression of the player’s performance such as HP.</a:t>
+            </a:r>
+          </a:p>
+          <a:p>
+            <a:pPr marL="0" indent="0">
+              <a:buNone/>
+            </a:pPr>
+            <a:r>
+              <a:rPr lang="en-US" dirty="0">
+                <a:effectLst/>
+              </a:rPr>
+              <a:t>	</a:t>
+            </a:r>
+            <a:endParaRPr lang="en-US" dirty="0"/>
+          </a:p>
+        </p:txBody>
+      </p:sp>
+      <p:pic>
+        <p:nvPicPr>
+          <p:cNvPr id="4" name="Picture 3" descr="SPACESHIP.jpg"/>
+          <p:cNvPicPr>
+            <a:picLocks noChangeAspect="1"/>
+          </p:cNvPicPr>
+          <p:nvPr/>
+        </p:nvPicPr>
+        <p:blipFill>
+          <a:blip r:embed="rId2">
+            <a:extLst>
+              <a:ext uri="{28A0092B-C50C-407E-A947-70E740481C1C}">
+                <a14:useLocalDpi xmlns:a14="http://schemas.microsoft.com/office/drawing/2010/main" val="0"/>
+              </a:ext>
+            </a:extLst>
+          </a:blip>
+          <a:stretch>
+            <a:fillRect/>
+          </a:stretch>
+        </p:blipFill>
+        <p:spPr>
+          <a:xfrm>
+            <a:off x="1115414" y="3313377"/>
+            <a:ext cx="6932824" cy="2995844"/>
+          </a:xfrm>
+          <a:prstGeom prst="rect">
+            <a:avLst/>
+          </a:prstGeom>
+        </p:spPr>
+      </p:pic>
+    </p:spTree>
+    <p:extLst>
+      <p:ext uri="{BB962C8B-B14F-4D97-AF65-F5344CB8AC3E}">
+        <p14:creationId xmlns:p14="http://schemas.microsoft.com/office/powerpoint/2010/main" val="1536221413"/>
+      </p:ext>
+    </p:extLst>
+  </p:cSld>
+  <p:clrMapOvr>
+    <a:masterClrMapping/>
+  </p:clrMapOvr>
+</p:sld>
+</file>
+
+<file path=ppt/slides/slide5.xml><?xml version="1.0" encoding="utf-8"?>
+<p:sld xmlns:a="http://schemas.openxmlformats.org/drawingml/2006/main" xmlns:r="http://schemas.openxmlformats.org/officeDocument/2006/relationships" xmlns:p="http://schemas.openxmlformats.org/presentationml/2006/main">
+  <p:cSld>
+    <p:spTree>
+      <p:nvGrpSpPr>
+        <p:cNvPr id="1" name=""/>
+        <p:cNvGrpSpPr/>
+        <p:nvPr/>
+      </p:nvGrpSpPr>
+      <p:grpSpPr>
+        <a:xfrm>
+          <a:off x="0" y="0"/>
+          <a:ext cx="0" cy="0"/>
+          <a:chOff x="0" y="0"/>
+          <a:chExt cx="0" cy="0"/>
+        </a:xfrm>
+      </p:grpSpPr>
+      <p:sp>
+        <p:nvSpPr>
+          <p:cNvPr id="3" name="Content Placeholder 2"/>
+          <p:cNvSpPr>
+            <a:spLocks noGrp="1"/>
+          </p:cNvSpPr>
+          <p:nvPr>
+            <p:ph idx="1"/>
+          </p:nvPr>
+        </p:nvSpPr>
+        <p:spPr>
+          <a:xfrm>
+            <a:off x="345122" y="276115"/>
+            <a:ext cx="8111491" cy="5850048"/>
+          </a:xfrm>
+        </p:spPr>
+        <p:txBody>
+          <a:bodyPr/>
+          <a:lstStyle/>
+          <a:p>
+            <a:r>
+              <a:rPr lang="en-US" u="heavy" dirty="0">
+                <a:effectLst/>
+              </a:rPr>
+              <a:t>The opponent side</a:t>
+            </a:r>
+            <a:r>
+              <a:rPr lang="en-US" dirty="0">
+                <a:effectLst/>
+              </a:rPr>
+              <a:t> has a lot of things going on. It is very diverse. We have space rocks, meteors of various shapes and sizes. And, drumroll, we have the enemy spaceships. And, as expected, they can also shoot and hurt the player’s lives. They have the ability to move up and down as well. Also, </a:t>
+            </a:r>
+            <a:r>
+              <a:rPr lang="en-US" dirty="0" smtClean="0">
+                <a:effectLst/>
+              </a:rPr>
+              <a:t>these bad guys </a:t>
+            </a:r>
+            <a:r>
+              <a:rPr lang="en-US" dirty="0">
+                <a:effectLst/>
+              </a:rPr>
+              <a:t>have varied lives. For example: a small enemy spaceship might be destroyed with three shoots whereas a bigger one might need about five shoots. </a:t>
+            </a:r>
+          </a:p>
+          <a:p>
+            <a:pPr marL="0" indent="0">
+              <a:buNone/>
+            </a:pPr>
+            <a:endParaRPr lang="en-US" dirty="0"/>
+          </a:p>
+        </p:txBody>
+      </p:sp>
+      <p:pic>
+        <p:nvPicPr>
+          <p:cNvPr id="4" name="Picture 3" descr="mojojojo.jpg"/>
+          <p:cNvPicPr>
+            <a:picLocks noChangeAspect="1"/>
+          </p:cNvPicPr>
+          <p:nvPr/>
+        </p:nvPicPr>
+        <p:blipFill>
+          <a:blip r:embed="rId2">
+            <a:extLst>
+              <a:ext uri="{28A0092B-C50C-407E-A947-70E740481C1C}">
+                <a14:useLocalDpi xmlns:a14="http://schemas.microsoft.com/office/drawing/2010/main" val="0"/>
+              </a:ext>
+            </a:extLst>
+          </a:blip>
+          <a:stretch>
+            <a:fillRect/>
+          </a:stretch>
+        </p:blipFill>
+        <p:spPr>
+          <a:xfrm>
+            <a:off x="1131999" y="3329856"/>
+            <a:ext cx="2879466" cy="3143417"/>
+          </a:xfrm>
+          <a:prstGeom prst="rect">
+            <a:avLst/>
+          </a:prstGeom>
+        </p:spPr>
+      </p:pic>
+      <p:pic>
+        <p:nvPicPr>
+          <p:cNvPr id="5" name="Picture 4" descr="enemy.jpg"/>
+          <p:cNvPicPr>
+            <a:picLocks noChangeAspect="1"/>
+          </p:cNvPicPr>
+          <p:nvPr/>
+        </p:nvPicPr>
+        <p:blipFill>
+          <a:blip r:embed="rId3">
+            <a:extLst>
+              <a:ext uri="{28A0092B-C50C-407E-A947-70E740481C1C}">
+                <a14:useLocalDpi xmlns:a14="http://schemas.microsoft.com/office/drawing/2010/main" val="0"/>
+              </a:ext>
+            </a:extLst>
+          </a:blip>
+          <a:stretch>
+            <a:fillRect/>
+          </a:stretch>
+        </p:blipFill>
+        <p:spPr>
+          <a:xfrm>
+            <a:off x="4011465" y="3329855"/>
+            <a:ext cx="3731044" cy="3143417"/>
+          </a:xfrm>
+          <a:prstGeom prst="rect">
+            <a:avLst/>
+          </a:prstGeom>
+        </p:spPr>
+      </p:pic>
+    </p:spTree>
+    <p:extLst>
+      <p:ext uri="{BB962C8B-B14F-4D97-AF65-F5344CB8AC3E}">
+        <p14:creationId xmlns:p14="http://schemas.microsoft.com/office/powerpoint/2010/main" val="263346986"/>
+      </p:ext>
+    </p:extLst>
+  </p:cSld>
+  <p:clrMapOvr>
+    <a:masterClrMapping/>
+  </p:clrMapOvr>
+</p:sld>
+</file>
+
+<file path=ppt/slides/slide6.xml><?xml version="1.0" encoding="utf-8"?>
+<p:sld xmlns:a="http://schemas.openxmlformats.org/drawingml/2006/main" xmlns:r="http://schemas.openxmlformats.org/officeDocument/2006/relationships" xmlns:p="http://schemas.openxmlformats.org/presentationml/2006/main">
+  <p:cSld>
+    <p:spTree>
+      <p:nvGrpSpPr>
+        <p:cNvPr id="1" name=""/>
+        <p:cNvGrpSpPr/>
+        <p:nvPr/>
+      </p:nvGrpSpPr>
+      <p:grpSpPr>
+        <a:xfrm>
+          <a:off x="0" y="0"/>
+          <a:ext cx="0" cy="0"/>
+          <a:chOff x="0" y="0"/>
+          <a:chExt cx="0" cy="0"/>
+        </a:xfrm>
+      </p:grpSpPr>
+      <p:sp>
+        <p:nvSpPr>
+          <p:cNvPr id="2" name="Title 1"/>
+          <p:cNvSpPr>
+            <a:spLocks noGrp="1"/>
+          </p:cNvSpPr>
+          <p:nvPr>
+            <p:ph type="title"/>
+          </p:nvPr>
+        </p:nvSpPr>
+        <p:spPr/>
+        <p:txBody>
+          <a:bodyPr/>
+          <a:lstStyle/>
+          <a:p>
+            <a:r>
+              <a:rPr lang="en-US" dirty="0" smtClean="0"/>
+              <a:t>Abstract introduction</a:t>
+            </a:r>
+            <a:endParaRPr lang="en-US" dirty="0"/>
+          </a:p>
+        </p:txBody>
+      </p:sp>
+      <p:sp>
+        <p:nvSpPr>
+          <p:cNvPr id="3" name="Content Placeholder 2"/>
+          <p:cNvSpPr>
+            <a:spLocks noGrp="1"/>
+          </p:cNvSpPr>
+          <p:nvPr>
+            <p:ph idx="1"/>
+          </p:nvPr>
+        </p:nvSpPr>
+        <p:spPr/>
+        <p:txBody>
+          <a:bodyPr/>
+          <a:lstStyle/>
+          <a:p>
+            <a:pPr marL="0" indent="0">
+              <a:buNone/>
+            </a:pPr>
+            <a:endParaRPr lang="en-US" dirty="0" smtClean="0"/>
+          </a:p>
+          <a:p>
+            <a:pPr marL="0" indent="0">
+              <a:buNone/>
+            </a:pPr>
+            <a:r>
+              <a:rPr lang="en-US" dirty="0" smtClean="0"/>
+              <a:t>This </a:t>
+            </a:r>
+            <a:r>
+              <a:rPr lang="en-US" dirty="0" smtClean="0"/>
+              <a:t>is an arcade style space game with simple ASCII visuals. It is written in C++ </a:t>
+            </a:r>
+            <a:r>
+              <a:rPr lang="en-US" dirty="0" smtClean="0"/>
+              <a:t>Programming Language </a:t>
+            </a:r>
+            <a:r>
+              <a:rPr lang="en-US" dirty="0" smtClean="0"/>
+              <a:t>and we used SDL graphics library to handle visuals. We have also used a bit actual simple graphics with Adobe Photoshop for the game. The code was made to reach a goal to be object oriented for a clean and manageable program design. </a:t>
+            </a:r>
+            <a:endParaRPr lang="en-US" dirty="0"/>
+          </a:p>
+        </p:txBody>
+      </p:sp>
+    </p:spTree>
+    <p:extLst>
+      <p:ext uri="{BB962C8B-B14F-4D97-AF65-F5344CB8AC3E}">
+        <p14:creationId xmlns:p14="http://schemas.microsoft.com/office/powerpoint/2010/main" val="1619648783"/>
+      </p:ext>
+    </p:extLst>
+  </p:cSld>
+  <p:clrMapOvr>
+    <a:masterClrMapping/>
+  </p:clrMapOvr>
+</p:sld>
+</file>
+
+<file path=ppt/slides/slide7.xml><?xml version="1.0" encoding="utf-8"?>
+<p:sld xmlns:a="http://schemas.openxmlformats.org/drawingml/2006/main" xmlns:r="http://schemas.openxmlformats.org/officeDocument/2006/relationships" xmlns:p="http://schemas.openxmlformats.org/presentationml/2006/main">
+  <p:cSld>
+    <p:spTree>
+      <p:nvGrpSpPr>
+        <p:cNvPr id="1" name=""/>
+        <p:cNvGrpSpPr/>
+        <p:nvPr/>
+      </p:nvGrpSpPr>
+      <p:grpSpPr>
+        <a:xfrm>
+          <a:off x="0" y="0"/>
+          <a:ext cx="0" cy="0"/>
+          <a:chOff x="0" y="0"/>
+          <a:chExt cx="0" cy="0"/>
+        </a:xfrm>
+      </p:grpSpPr>
+      <p:sp>
+        <p:nvSpPr>
+          <p:cNvPr id="3" name="Content Placeholder 2"/>
+          <p:cNvSpPr>
+            <a:spLocks noGrp="1"/>
+          </p:cNvSpPr>
+          <p:nvPr>
+            <p:ph idx="1"/>
+          </p:nvPr>
+        </p:nvSpPr>
+        <p:spPr>
+          <a:xfrm>
             <a:off x="257849" y="295286"/>
             <a:ext cx="8522048" cy="6207215"/>
           </a:xfrm>
@@ -6348,6 +6958,30 @@
             <a:pPr marL="0" indent="0">
               <a:buNone/>
             </a:pPr>
+            <a:endParaRPr lang="en-US" dirty="0" smtClean="0"/>
+          </a:p>
+          <a:p>
+            <a:pPr marL="0" indent="0">
+              <a:buNone/>
+            </a:pPr>
+            <a:endParaRPr lang="en-US" dirty="0"/>
+          </a:p>
+          <a:p>
+            <a:pPr marL="0" indent="0">
+              <a:buNone/>
+            </a:pPr>
+            <a:endParaRPr lang="en-US" dirty="0" smtClean="0"/>
+          </a:p>
+          <a:p>
+            <a:pPr marL="0" indent="0">
+              <a:buNone/>
+            </a:pPr>
+            <a:endParaRPr lang="en-US" dirty="0"/>
+          </a:p>
+          <a:p>
+            <a:pPr marL="0" indent="0">
+              <a:buNone/>
+            </a:pPr>
             <a:r>
               <a:rPr lang="en-US" dirty="0" smtClean="0"/>
               <a:t>Not sure what an ASCII Game looks like? Fret not. The internet has blessed us with hundreds of examples that include so many of our early childhood games.</a:t>
@@ -6363,38 +6997,13 @@
             <a:pPr marL="0" indent="0">
               <a:buNone/>
             </a:pPr>
-            <a:r>
-              <a:rPr lang="en-US" dirty="0" smtClean="0"/>
-              <a:t>Remember </a:t>
-            </a:r>
-            <a:r>
-              <a:rPr lang="en-US" dirty="0" err="1" smtClean="0"/>
-              <a:t>Pacman</a:t>
-            </a:r>
-            <a:r>
-              <a:rPr lang="en-US" dirty="0" smtClean="0"/>
-              <a:t>? Or the simple </a:t>
-            </a:r>
-            <a:r>
-              <a:rPr lang="en-US" dirty="0" err="1" smtClean="0"/>
-              <a:t>Helicoptor</a:t>
-            </a:r>
-            <a:r>
-              <a:rPr lang="en-US" dirty="0" smtClean="0"/>
-              <a:t> game that you might have been madly addicted to? Or the extravagant spaceship game where you, as a spaceship, wander around shooting stuff until you get to fight the </a:t>
-            </a:r>
-            <a:r>
-              <a:rPr lang="en-US" dirty="0" err="1" smtClean="0"/>
-              <a:t>hedious</a:t>
-            </a:r>
-            <a:r>
-              <a:rPr lang="en-US" dirty="0"/>
-              <a:t> </a:t>
-            </a:r>
-            <a:r>
-              <a:rPr lang="en-US" dirty="0" smtClean="0"/>
-              <a:t>robot octopus spaceship that could shoot nine ways? </a:t>
-            </a:r>
+            <a:endParaRPr lang="en-US" dirty="0" smtClean="0"/>
+          </a:p>
+          <a:p>
+            <a:pPr marL="0" indent="0">
+              <a:buNone/>
+            </a:pPr>
+            <a:endParaRPr lang="en-US" dirty="0"/>
           </a:p>
           <a:p>
             <a:pPr marL="0" indent="0">
@@ -6406,14 +7015,6 @@
             <a:pPr marL="0" indent="0">
               <a:buNone/>
             </a:pPr>
-            <a:r>
-              <a:rPr lang="en-US" dirty="0" smtClean="0"/>
-              <a:t>Well, our game </a:t>
-            </a:r>
-            <a:r>
-              <a:rPr lang="en-US" dirty="0" smtClean="0"/>
-              <a:t>does not look exactly as perfect as these games but we have a head start and you can definitely play and have fun. </a:t>
-            </a:r>
             <a:endParaRPr lang="en-US" dirty="0"/>
           </a:p>
         </p:txBody>
@@ -6431,7 +7032,7 @@
 </p:sld>
 </file>
 
-<file path=ppt/slides/slide5.xml><?xml version="1.0" encoding="utf-8"?>
+<file path=ppt/slides/slide8.xml><?xml version="1.0" encoding="utf-8"?>
 <p:sld xmlns:a="http://schemas.openxmlformats.org/drawingml/2006/main" xmlns:r="http://schemas.openxmlformats.org/officeDocument/2006/relationships" xmlns:p="http://schemas.openxmlformats.org/presentationml/2006/main">
   <p:cSld>
     <p:spTree>
@@ -6470,7 +7071,7 @@
         </p:blipFill>
         <p:spPr>
           <a:xfrm>
-            <a:off x="292100" y="698500"/>
+            <a:off x="292100" y="947003"/>
             <a:ext cx="8559800" cy="5461000"/>
           </a:xfrm>
           <a:prstGeom prst="rect">
@@ -6478,6 +7079,36 @@
           </a:prstGeom>
         </p:spPr>
       </p:pic>
+      <p:sp>
+        <p:nvSpPr>
+          <p:cNvPr id="5" name="TextBox 4"/>
+          <p:cNvSpPr txBox="1"/>
+          <p:nvPr/>
+        </p:nvSpPr>
+        <p:spPr>
+          <a:xfrm>
+            <a:off x="662634" y="372755"/>
+            <a:ext cx="6364043" cy="369332"/>
+          </a:xfrm>
+          <a:prstGeom prst="rect">
+            <a:avLst/>
+          </a:prstGeom>
+          <a:noFill/>
+        </p:spPr>
+        <p:txBody>
+          <a:bodyPr wrap="square" rtlCol="0">
+            <a:spAutoFit/>
+          </a:bodyPr>
+          <a:lstStyle/>
+          <a:p>
+            <a:r>
+              <a:rPr lang="en-US" dirty="0" smtClean="0"/>
+              <a:t>REMEMBER PACMAN?</a:t>
+            </a:r>
+            <a:endParaRPr lang="en-US" dirty="0"/>
+          </a:p>
+        </p:txBody>
+      </p:sp>
     </p:spTree>
     <p:extLst>
       <p:ext uri="{BB962C8B-B14F-4D97-AF65-F5344CB8AC3E}">
@@ -6491,7 +7122,7 @@
 </p:sld>
 </file>
 
-<file path=ppt/slides/slide6.xml><?xml version="1.0" encoding="utf-8"?>
+<file path=ppt/slides/slide9.xml><?xml version="1.0" encoding="utf-8"?>
 <p:sld xmlns:a="http://schemas.openxmlformats.org/drawingml/2006/main" xmlns:r="http://schemas.openxmlformats.org/officeDocument/2006/relationships" xmlns:p="http://schemas.openxmlformats.org/presentationml/2006/main">
   <p:cSld>
     <p:spTree>
@@ -6538,285 +7169,60 @@
           </a:prstGeom>
         </p:spPr>
       </p:pic>
+      <p:sp>
+        <p:nvSpPr>
+          <p:cNvPr id="5" name="TextBox 4"/>
+          <p:cNvSpPr txBox="1"/>
+          <p:nvPr/>
+        </p:nvSpPr>
+        <p:spPr>
+          <a:xfrm>
+            <a:off x="358927" y="331338"/>
+            <a:ext cx="8172482" cy="369332"/>
+          </a:xfrm>
+          <a:prstGeom prst="rect">
+            <a:avLst/>
+          </a:prstGeom>
+          <a:noFill/>
+        </p:spPr>
+        <p:txBody>
+          <a:bodyPr wrap="square" rtlCol="0">
+            <a:spAutoFit/>
+          </a:bodyPr>
+          <a:lstStyle/>
+          <a:p>
+            <a:r>
+              <a:rPr lang="en-US" dirty="0">
+                <a:solidFill>
+                  <a:schemeClr val="bg1"/>
+                </a:solidFill>
+              </a:rPr>
+              <a:t>Or the simple </a:t>
+            </a:r>
+            <a:r>
+              <a:rPr lang="en-US" dirty="0" err="1">
+                <a:solidFill>
+                  <a:schemeClr val="bg1"/>
+                </a:solidFill>
+              </a:rPr>
+              <a:t>Helicoptor</a:t>
+            </a:r>
+            <a:r>
+              <a:rPr lang="en-US" dirty="0">
+                <a:solidFill>
+                  <a:schemeClr val="bg1"/>
+                </a:solidFill>
+              </a:rPr>
+              <a:t> game that you might have been madly addicted to? </a:t>
+            </a:r>
+            <a:endParaRPr lang="en-US" dirty="0"/>
+          </a:p>
+        </p:txBody>
+      </p:sp>
     </p:spTree>
     <p:extLst>
       <p:ext uri="{BB962C8B-B14F-4D97-AF65-F5344CB8AC3E}">
         <p14:creationId xmlns:p14="http://schemas.microsoft.com/office/powerpoint/2010/main" val="1334800918"/>
-      </p:ext>
-    </p:extLst>
-  </p:cSld>
-  <p:clrMapOvr>
-    <a:masterClrMapping/>
-  </p:clrMapOvr>
-</p:sld>
-</file>
-
-<file path=ppt/slides/slide7.xml><?xml version="1.0" encoding="utf-8"?>
-<p:sld xmlns:a="http://schemas.openxmlformats.org/drawingml/2006/main" xmlns:r="http://schemas.openxmlformats.org/officeDocument/2006/relationships" xmlns:p="http://schemas.openxmlformats.org/presentationml/2006/main">
-  <p:cSld>
-    <p:spTree>
-      <p:nvGrpSpPr>
-        <p:cNvPr id="1" name=""/>
-        <p:cNvGrpSpPr/>
-        <p:nvPr/>
-      </p:nvGrpSpPr>
-      <p:grpSpPr>
-        <a:xfrm>
-          <a:off x="0" y="0"/>
-          <a:ext cx="0" cy="0"/>
-          <a:chOff x="0" y="0"/>
-          <a:chExt cx="0" cy="0"/>
-        </a:xfrm>
-      </p:grpSpPr>
-      <p:pic>
-        <p:nvPicPr>
-          <p:cNvPr id="4" name="Picture 3" descr="jeuspacewar.jpg"/>
-          <p:cNvPicPr>
-            <a:picLocks noChangeAspect="1"/>
-          </p:cNvPicPr>
-          <p:nvPr/>
-        </p:nvPicPr>
-        <p:blipFill>
-          <a:blip r:embed="rId2">
-            <a:extLst>
-              <a:ext uri="{28A0092B-C50C-407E-A947-70E740481C1C}">
-                <a14:useLocalDpi xmlns:a14="http://schemas.microsoft.com/office/drawing/2010/main" val="0"/>
-              </a:ext>
-            </a:extLst>
-          </a:blip>
-          <a:stretch>
-            <a:fillRect/>
-          </a:stretch>
-        </p:blipFill>
-        <p:spPr>
-          <a:xfrm>
-            <a:off x="1320800" y="0"/>
-            <a:ext cx="6502400" cy="6502400"/>
-          </a:xfrm>
-          <a:prstGeom prst="rect">
-            <a:avLst/>
-          </a:prstGeom>
-        </p:spPr>
-      </p:pic>
-    </p:spTree>
-    <p:extLst>
-      <p:ext uri="{BB962C8B-B14F-4D97-AF65-F5344CB8AC3E}">
-        <p14:creationId xmlns:p14="http://schemas.microsoft.com/office/powerpoint/2010/main" val="2744393826"/>
-      </p:ext>
-    </p:extLst>
-  </p:cSld>
-  <p:clrMapOvr>
-    <a:masterClrMapping/>
-  </p:clrMapOvr>
-</p:sld>
-</file>
-
-<file path=ppt/slides/slide8.xml><?xml version="1.0" encoding="utf-8"?>
-<p:sld xmlns:a="http://schemas.openxmlformats.org/drawingml/2006/main" xmlns:r="http://schemas.openxmlformats.org/officeDocument/2006/relationships" xmlns:p="http://schemas.openxmlformats.org/presentationml/2006/main">
-  <p:cSld>
-    <p:spTree>
-      <p:nvGrpSpPr>
-        <p:cNvPr id="1" name=""/>
-        <p:cNvGrpSpPr/>
-        <p:nvPr/>
-      </p:nvGrpSpPr>
-      <p:grpSpPr>
-        <a:xfrm>
-          <a:off x="0" y="0"/>
-          <a:ext cx="0" cy="0"/>
-          <a:chOff x="0" y="0"/>
-          <a:chExt cx="0" cy="0"/>
-        </a:xfrm>
-      </p:grpSpPr>
-      <p:sp>
-        <p:nvSpPr>
-          <p:cNvPr id="2" name="Title 1"/>
-          <p:cNvSpPr>
-            <a:spLocks noGrp="1"/>
-          </p:cNvSpPr>
-          <p:nvPr>
-            <p:ph type="title"/>
-          </p:nvPr>
-        </p:nvSpPr>
-        <p:spPr/>
-        <p:txBody>
-          <a:bodyPr/>
-          <a:lstStyle/>
-          <a:p>
-            <a:r>
-              <a:rPr lang="en-US" dirty="0" smtClean="0"/>
-              <a:t>	Command Summary</a:t>
-            </a:r>
-            <a:endParaRPr lang="en-US" dirty="0"/>
-          </a:p>
-        </p:txBody>
-      </p:sp>
-      <p:sp>
-        <p:nvSpPr>
-          <p:cNvPr id="3" name="Content Placeholder 2"/>
-          <p:cNvSpPr>
-            <a:spLocks noGrp="1"/>
-          </p:cNvSpPr>
-          <p:nvPr>
-            <p:ph idx="1"/>
-          </p:nvPr>
-        </p:nvSpPr>
-        <p:spPr/>
-        <p:txBody>
-          <a:bodyPr>
-            <a:normAutofit/>
-          </a:bodyPr>
-          <a:lstStyle/>
-          <a:p>
-            <a:r>
-              <a:rPr lang="en-US" dirty="0">
-                <a:effectLst/>
-              </a:rPr>
-              <a:t>The player has several commands that he or she can </a:t>
-            </a:r>
-            <a:r>
-              <a:rPr lang="en-US" dirty="0" smtClean="0">
-                <a:effectLst/>
-              </a:rPr>
-              <a:t>use in order</a:t>
-            </a:r>
-            <a:r>
-              <a:rPr lang="en-US" dirty="0" smtClean="0">
-                <a:effectLst/>
-              </a:rPr>
-              <a:t> </a:t>
-            </a:r>
-            <a:r>
-              <a:rPr lang="en-US" dirty="0">
-                <a:effectLst/>
-              </a:rPr>
-              <a:t>to play. </a:t>
-            </a:r>
-          </a:p>
-          <a:p>
-            <a:pPr lvl="0"/>
-            <a:r>
-              <a:rPr lang="en-US" dirty="0">
-                <a:effectLst/>
-              </a:rPr>
-              <a:t>To move up, simply press the “Up” keyboard key. Similarly, to move down, press the “Down” keyboard key.  </a:t>
-            </a:r>
-          </a:p>
-          <a:p>
-            <a:pPr lvl="0"/>
-            <a:r>
-              <a:rPr lang="en-US" dirty="0">
-                <a:effectLst/>
-              </a:rPr>
-              <a:t>To shoot, press </a:t>
-            </a:r>
-            <a:r>
-              <a:rPr lang="en-US" dirty="0" smtClean="0">
-                <a:effectLst/>
-              </a:rPr>
-              <a:t>“---” </a:t>
-            </a:r>
-            <a:r>
-              <a:rPr lang="en-US" dirty="0">
-                <a:effectLst/>
-              </a:rPr>
-              <a:t>key. </a:t>
-            </a:r>
-          </a:p>
-          <a:p>
-            <a:pPr lvl="0"/>
-            <a:r>
-              <a:rPr lang="en-US" dirty="0">
-                <a:effectLst/>
-              </a:rPr>
-              <a:t>To pause the game, press “---“ key. </a:t>
-            </a:r>
-          </a:p>
-          <a:p>
-            <a:pPr lvl="0"/>
-            <a:r>
-              <a:rPr lang="en-US" dirty="0">
-                <a:effectLst/>
-              </a:rPr>
-              <a:t>To resume a paused game, press “----“key.</a:t>
-            </a:r>
-          </a:p>
-          <a:p>
-            <a:pPr lvl="0"/>
-            <a:r>
-              <a:rPr lang="en-US" dirty="0">
-                <a:effectLst/>
-              </a:rPr>
-              <a:t>To exit, press “----“key. </a:t>
-            </a:r>
-          </a:p>
-          <a:p>
-            <a:pPr lvl="0"/>
-            <a:endParaRPr lang="en-US" dirty="0">
-              <a:effectLst/>
-            </a:endParaRPr>
-          </a:p>
-        </p:txBody>
-      </p:sp>
-    </p:spTree>
-    <p:extLst>
-      <p:ext uri="{BB962C8B-B14F-4D97-AF65-F5344CB8AC3E}">
-        <p14:creationId xmlns:p14="http://schemas.microsoft.com/office/powerpoint/2010/main" val="2278815150"/>
-      </p:ext>
-    </p:extLst>
-  </p:cSld>
-  <p:clrMapOvr>
-    <a:masterClrMapping/>
-  </p:clrMapOvr>
-</p:sld>
-</file>
-
-<file path=ppt/slides/slide9.xml><?xml version="1.0" encoding="utf-8"?>
-<p:sld xmlns:a="http://schemas.openxmlformats.org/drawingml/2006/main" xmlns:r="http://schemas.openxmlformats.org/officeDocument/2006/relationships" xmlns:p="http://schemas.openxmlformats.org/presentationml/2006/main">
-  <p:cSld>
-    <p:spTree>
-      <p:nvGrpSpPr>
-        <p:cNvPr id="1" name=""/>
-        <p:cNvGrpSpPr/>
-        <p:nvPr/>
-      </p:nvGrpSpPr>
-      <p:grpSpPr>
-        <a:xfrm>
-          <a:off x="0" y="0"/>
-          <a:ext cx="0" cy="0"/>
-          <a:chOff x="0" y="0"/>
-          <a:chExt cx="0" cy="0"/>
-        </a:xfrm>
-      </p:grpSpPr>
-      <p:sp>
-        <p:nvSpPr>
-          <p:cNvPr id="2" name="Title 1"/>
-          <p:cNvSpPr>
-            <a:spLocks noGrp="1"/>
-          </p:cNvSpPr>
-          <p:nvPr>
-            <p:ph type="title"/>
-          </p:nvPr>
-        </p:nvSpPr>
-        <p:spPr/>
-        <p:txBody>
-          <a:bodyPr>
-            <a:normAutofit fontScale="90000"/>
-          </a:bodyPr>
-          <a:lstStyle/>
-          <a:p>
-            <a:r>
-              <a:rPr lang="en-US" dirty="0" smtClean="0"/>
-              <a:t>Here is a little screenshot of what the game looks like</a:t>
-            </a:r>
-            <a:endParaRPr lang="en-US" dirty="0"/>
-          </a:p>
-        </p:txBody>
-      </p:sp>
-    </p:spTree>
-    <p:extLst>
-      <p:ext uri="{BB962C8B-B14F-4D97-AF65-F5344CB8AC3E}">
-        <p14:creationId xmlns:p14="http://schemas.microsoft.com/office/powerpoint/2010/main" val="1944890027"/>
       </p:ext>
     </p:extLst>
   </p:cSld>

--- a/new_user_documentation.pptx
+++ b/new_user_documentation.pptx
@@ -120,6 +120,22 @@
       </a:defRPr>
     </a:lvl9pPr>
   </p:defaultTextStyle>
+  <p:extLst>
+    <p:ext uri="{EFAFB233-063F-42B5-8137-9DF3F51BA10A}">
+      <p15:sldGuideLst xmlns:p15="http://schemas.microsoft.com/office/powerpoint/2012/main">
+        <p15:guide id="1" orient="horz" pos="2160">
+          <p15:clr>
+            <a:srgbClr val="A4A3A4"/>
+          </p15:clr>
+        </p15:guide>
+        <p15:guide id="2" pos="2880">
+          <p15:clr>
+            <a:srgbClr val="A4A3A4"/>
+          </p15:clr>
+        </p15:guide>
+      </p15:sldGuideLst>
+    </p:ext>
+  </p:extLst>
 </p:presentation>
 </file>
 
@@ -344,7 +360,7 @@
           <a:p>
             <a:fld id="{651A0C47-018D-4460-B945-BFF7981B6CA6}" type="datetimeFigureOut">
               <a:rPr lang="en-US" smtClean="0"/>
-              <a:t>5/5/16</a:t>
+              <a:t>5/5/2016</a:t>
             </a:fld>
             <a:endParaRPr lang="en-US"/>
           </a:p>
@@ -676,7 +692,7 @@
           <a:p>
             <a:fld id="{651A0C47-018D-4460-B945-BFF7981B6CA6}" type="datetimeFigureOut">
               <a:rPr lang="en-US" smtClean="0"/>
-              <a:t>5/5/16</a:t>
+              <a:t>5/5/2016</a:t>
             </a:fld>
             <a:endParaRPr lang="en-US"/>
           </a:p>
@@ -1008,7 +1024,7 @@
           <a:p>
             <a:fld id="{651A0C47-018D-4460-B945-BFF7981B6CA6}" type="datetimeFigureOut">
               <a:rPr lang="en-US" smtClean="0"/>
-              <a:t>5/5/16</a:t>
+              <a:t>5/5/2016</a:t>
             </a:fld>
             <a:endParaRPr lang="en-US"/>
           </a:p>
@@ -1340,7 +1356,7 @@
           <a:p>
             <a:fld id="{651A0C47-018D-4460-B945-BFF7981B6CA6}" type="datetimeFigureOut">
               <a:rPr lang="en-US" smtClean="0"/>
-              <a:t>5/5/16</a:t>
+              <a:t>5/5/2016</a:t>
             </a:fld>
             <a:endParaRPr lang="en-US"/>
           </a:p>
@@ -2029,7 +2045,7 @@
           <a:p>
             <a:fld id="{651A0C47-018D-4460-B945-BFF7981B6CA6}" type="datetimeFigureOut">
               <a:rPr lang="en-US" smtClean="0"/>
-              <a:t>5/5/16</a:t>
+              <a:t>5/5/2016</a:t>
             </a:fld>
             <a:endParaRPr lang="en-US"/>
           </a:p>
@@ -2208,7 +2224,7 @@
           <a:p>
             <a:fld id="{651A0C47-018D-4460-B945-BFF7981B6CA6}" type="datetimeFigureOut">
               <a:rPr lang="en-US" smtClean="0"/>
-              <a:t>5/5/16</a:t>
+              <a:t>5/5/2016</a:t>
             </a:fld>
             <a:endParaRPr lang="en-US"/>
           </a:p>
@@ -2382,7 +2398,7 @@
           <a:p>
             <a:fld id="{651A0C47-018D-4460-B945-BFF7981B6CA6}" type="datetimeFigureOut">
               <a:rPr lang="en-US" smtClean="0"/>
-              <a:t>5/5/16</a:t>
+              <a:t>5/5/2016</a:t>
             </a:fld>
             <a:endParaRPr lang="en-US"/>
           </a:p>
@@ -2630,7 +2646,7 @@
           <a:p>
             <a:fld id="{651A0C47-018D-4460-B945-BFF7981B6CA6}" type="datetimeFigureOut">
               <a:rPr lang="en-US" smtClean="0"/>
-              <a:t>5/5/16</a:t>
+              <a:t>5/5/2016</a:t>
             </a:fld>
             <a:endParaRPr lang="en-US"/>
           </a:p>
@@ -2960,7 +2976,7 @@
           <a:p>
             <a:fld id="{651A0C47-018D-4460-B945-BFF7981B6CA6}" type="datetimeFigureOut">
               <a:rPr lang="en-US" smtClean="0"/>
-              <a:t>5/5/16</a:t>
+              <a:t>5/5/2016</a:t>
             </a:fld>
             <a:endParaRPr lang="en-US"/>
           </a:p>
@@ -3252,7 +3268,7 @@
           <a:p>
             <a:fld id="{651A0C47-018D-4460-B945-BFF7981B6CA6}" type="datetimeFigureOut">
               <a:rPr lang="en-US" smtClean="0"/>
-              <a:t>5/5/16</a:t>
+              <a:t>5/5/2016</a:t>
             </a:fld>
             <a:endParaRPr lang="en-US"/>
           </a:p>
@@ -3688,7 +3704,7 @@
           <a:p>
             <a:fld id="{651A0C47-018D-4460-B945-BFF7981B6CA6}" type="datetimeFigureOut">
               <a:rPr lang="en-US" smtClean="0"/>
-              <a:t>5/5/16</a:t>
+              <a:t>5/5/2016</a:t>
             </a:fld>
             <a:endParaRPr lang="en-US"/>
           </a:p>
@@ -3875,7 +3891,7 @@
           <a:p>
             <a:fld id="{651A0C47-018D-4460-B945-BFF7981B6CA6}" type="datetimeFigureOut">
               <a:rPr lang="en-US" smtClean="0"/>
-              <a:t>5/5/16</a:t>
+              <a:t>5/5/2016</a:t>
             </a:fld>
             <a:endParaRPr lang="en-US"/>
           </a:p>
@@ -3965,7 +3981,7 @@
           <a:p>
             <a:fld id="{651A0C47-018D-4460-B945-BFF7981B6CA6}" type="datetimeFigureOut">
               <a:rPr lang="en-US" smtClean="0"/>
-              <a:t>5/5/16</a:t>
+              <a:t>5/5/2016</a:t>
             </a:fld>
             <a:endParaRPr lang="en-US"/>
           </a:p>
@@ -4246,7 +4262,7 @@
           <a:p>
             <a:fld id="{651A0C47-018D-4460-B945-BFF7981B6CA6}" type="datetimeFigureOut">
               <a:rPr lang="en-US" smtClean="0"/>
-              <a:t>5/5/16</a:t>
+              <a:t>5/5/2016</a:t>
             </a:fld>
             <a:endParaRPr lang="en-US"/>
           </a:p>
@@ -4461,7 +4477,7 @@
           <a:p>
             <a:fld id="{651A0C47-018D-4460-B945-BFF7981B6CA6}" type="datetimeFigureOut">
               <a:rPr lang="en-US" smtClean="0"/>
-              <a:t>5/5/16</a:t>
+              <a:t>5/5/2016</a:t>
             </a:fld>
             <a:endParaRPr lang="en-US"/>
           </a:p>
@@ -5582,7 +5598,7 @@
           <p:nvPr/>
         </p:nvPicPr>
         <p:blipFill>
-          <a:blip r:embed="rId2">
+          <a:blip r:embed="rId2" cstate="email">
             <a:extLst>
               <a:ext uri="{28A0092B-C50C-407E-A947-70E740481C1C}">
                 <a14:useLocalDpi xmlns:a14="http://schemas.microsoft.com/office/drawing/2010/main" val="0"/>
@@ -5834,7 +5850,7 @@
           <p:nvPr/>
         </p:nvPicPr>
         <p:blipFill>
-          <a:blip r:embed="rId3">
+          <a:blip r:embed="rId3" cstate="email">
             <a:extLst>
               <a:ext uri="{28A0092B-C50C-407E-A947-70E740481C1C}">
                 <a14:useLocalDpi xmlns:a14="http://schemas.microsoft.com/office/drawing/2010/main" val="0"/>
@@ -5864,7 +5880,7 @@
           <p:nvPr/>
         </p:nvPicPr>
         <p:blipFill>
-          <a:blip r:embed="rId4">
+          <a:blip r:embed="rId4" cstate="email">
             <a:extLst>
               <a:ext uri="{28A0092B-C50C-407E-A947-70E740481C1C}">
                 <a14:useLocalDpi xmlns:a14="http://schemas.microsoft.com/office/drawing/2010/main" val="0"/>
@@ -5932,11 +5948,7 @@
           <a:p>
             <a:r>
               <a:rPr lang="en-US" dirty="0" smtClean="0"/>
-              <a:t>	</a:t>
-            </a:r>
-            <a:r>
-              <a:rPr lang="en-US" dirty="0" smtClean="0"/>
-              <a:t>Command Summary</a:t>
+              <a:t>	Command Summary</a:t>
             </a:r>
             <a:endParaRPr lang="en-US" dirty="0"/>
           </a:p>
@@ -5959,6 +5971,9 @@
           </a:bodyPr>
           <a:lstStyle/>
           <a:p>
+            <a:pPr marL="0" indent="0">
+              <a:buNone/>
+            </a:pPr>
             <a:r>
               <a:rPr lang="en-US" dirty="0">
                 <a:effectLst/>
@@ -5969,13 +5984,7 @@
               <a:rPr lang="en-US" dirty="0" smtClean="0">
                 <a:effectLst/>
               </a:rPr>
-              <a:t>use in order</a:t>
-            </a:r>
-            <a:r>
-              <a:rPr lang="en-US" dirty="0" smtClean="0">
-                <a:effectLst/>
-              </a:rPr>
-              <a:t> </a:t>
+              <a:t>use in order </a:t>
             </a:r>
             <a:r>
               <a:rPr lang="en-US" dirty="0">
@@ -6005,7 +6014,7 @@
               <a:rPr lang="en-US" dirty="0" smtClean="0">
                 <a:effectLst/>
               </a:rPr>
-              <a:t>“---” </a:t>
+              <a:t>“Space” </a:t>
             </a:r>
             <a:r>
               <a:rPr lang="en-US" dirty="0">
@@ -6015,34 +6024,9 @@
             </a:r>
           </a:p>
           <a:p>
-            <a:pPr lvl="0"/>
-            <a:r>
-              <a:rPr lang="en-US" dirty="0">
-                <a:effectLst/>
-              </a:rPr>
-              <a:t>To pause the game, press “---“ key. </a:t>
-            </a:r>
-          </a:p>
-          <a:p>
-            <a:pPr lvl="0"/>
-            <a:r>
-              <a:rPr lang="en-US" dirty="0">
-                <a:effectLst/>
-              </a:rPr>
-              <a:t>To resume a paused game, press “----“key.</a:t>
-            </a:r>
-          </a:p>
-          <a:p>
-            <a:pPr lvl="0"/>
-            <a:r>
-              <a:rPr lang="en-US" dirty="0">
-                <a:effectLst/>
-              </a:rPr>
-              <a:t>To exit, press “----“key. </a:t>
-            </a:r>
-          </a:p>
-          <a:p>
-            <a:pPr lvl="0"/>
+            <a:pPr marL="0" lvl="0" indent="0">
+              <a:buNone/>
+            </a:pPr>
             <a:endParaRPr lang="en-US" dirty="0">
               <a:effectLst/>
             </a:endParaRPr>
@@ -6332,9 +6316,6 @@
               </a:rPr>
               <a:t>Examples of ASCII Games</a:t>
             </a:r>
-            <a:endParaRPr lang="en-US" dirty="0" smtClean="0">
-              <a:effectLst/>
-            </a:endParaRPr>
           </a:p>
           <a:p>
             <a:r>
@@ -6349,13 +6330,7 @@
               <a:rPr lang="en-US" dirty="0" smtClean="0">
                 <a:effectLst/>
               </a:rPr>
-              <a:t>Command </a:t>
-            </a:r>
-            <a:r>
-              <a:rPr lang="en-US" dirty="0" smtClean="0">
-                <a:effectLst/>
-              </a:rPr>
-              <a:t>Summary</a:t>
+              <a:t>Command Summary</a:t>
             </a:r>
           </a:p>
           <a:p>
@@ -6373,9 +6348,6 @@
               </a:rPr>
               <a:t>References</a:t>
             </a:r>
-            <a:endParaRPr lang="en-US" dirty="0" smtClean="0">
-              <a:effectLst/>
-            </a:endParaRPr>
           </a:p>
           <a:p>
             <a:pPr marL="0" indent="0">
@@ -6723,7 +6695,25 @@
               <a:rPr lang="en-US" dirty="0">
                 <a:effectLst/>
               </a:rPr>
-              <a:t> has a lot of things going on. It is very diverse. We have space rocks, meteors of various shapes and sizes. And, drumroll, we have the enemy spaceships. And, as expected, they can also shoot and hurt the player’s lives. They have the ability to move up and down as well. Also, </a:t>
+              <a:t> has a lot of things going on. </a:t>
+            </a:r>
+            <a:r>
+              <a:rPr lang="en-US" dirty="0">
+                <a:effectLst/>
+              </a:rPr>
+              <a:t>W</a:t>
+            </a:r>
+            <a:r>
+              <a:rPr lang="en-US" dirty="0" smtClean="0">
+                <a:effectLst/>
+              </a:rPr>
+              <a:t>e </a:t>
+            </a:r>
+            <a:r>
+              <a:rPr lang="en-US" dirty="0">
+                <a:effectLst/>
+              </a:rPr>
+              <a:t>have the enemy spaceships. And, as expected, they can also shoot and hurt the player’s lives. They have the ability to move up and down as well. Also, </a:t>
             </a:r>
             <a:r>
               <a:rPr lang="en-US" dirty="0" smtClean="0">
@@ -6885,19 +6875,7 @@
             </a:pPr>
             <a:r>
               <a:rPr lang="en-US" dirty="0" smtClean="0"/>
-              <a:t>This </a:t>
-            </a:r>
-            <a:r>
-              <a:rPr lang="en-US" dirty="0" smtClean="0"/>
-              <a:t>is an arcade style space game with simple ASCII visuals. It is written in C++ </a:t>
-            </a:r>
-            <a:r>
-              <a:rPr lang="en-US" dirty="0" smtClean="0"/>
-              <a:t>Programming Language </a:t>
-            </a:r>
-            <a:r>
-              <a:rPr lang="en-US" dirty="0" smtClean="0"/>
-              <a:t>and we used SDL graphics library to handle visuals. We have also used a bit actual simple graphics with Adobe Photoshop for the game. The code was made to reach a goal to be object oriented for a clean and manageable program design. </a:t>
+              <a:t>This is an arcade style space game with simple ASCII visuals. It is written in C++ Programming Language and we used SDL graphics library to handle visuals. We have also used a bit actual simple graphics with Adobe Photoshop for the game. The code was made to reach a goal to be object oriented for a clean and manageable program design. </a:t>
             </a:r>
             <a:endParaRPr lang="en-US" dirty="0"/>
           </a:p>
